--- a/LYNDA.COM.GIT.ESSENTIAL.TRAINING-JWARE.pptx
+++ b/LYNDA.COM.GIT.ESSENTIAL.TRAINING-JWARE.pptx
@@ -10552,7 +10552,15 @@
             <a:pPr lvl="2"/>
             <a:r>
               <a:rPr lang="en-GB" dirty="0" smtClean="0"/>
-              <a:t>repository - git commit moves file from staging index to repository</a:t>
+              <a:t>repository - git </a:t>
+            </a:r>
+            <a:r>
+              <a:rPr lang="en-GB" dirty="0" smtClean="0"/>
+              <a:t>commit </a:t>
+            </a:r>
+            <a:r>
+              <a:rPr lang="en-GB" dirty="0" smtClean="0"/>
+              <a:t>moves file from staging index to repository</a:t>
             </a:r>
           </a:p>
           <a:p>
@@ -10728,32 +10736,32 @@
           <a:p>
             <a:pPr lvl="1"/>
             <a:r>
-              <a:rPr lang="en-GB" dirty="0" smtClean="0"/>
+              <a:rPr lang="en-GB" strike="sngStrike" dirty="0" smtClean="0"/>
               <a:t>Commit</a:t>
             </a:r>
           </a:p>
           <a:p>
             <a:pPr lvl="2"/>
             <a:r>
-              <a:rPr lang="en-GB" dirty="0" smtClean="0"/>
+              <a:rPr lang="en-GB" strike="sngStrike" dirty="0" smtClean="0"/>
               <a:t>git commit </a:t>
             </a:r>
           </a:p>
           <a:p>
             <a:pPr lvl="2"/>
             <a:r>
-              <a:rPr lang="en-GB" dirty="0" smtClean="0"/>
+              <a:rPr lang="en-GB" strike="sngStrike" dirty="0" smtClean="0"/>
               <a:t>git commit --m “Commit message”</a:t>
             </a:r>
           </a:p>
           <a:p>
             <a:pPr lvl="2"/>
             <a:r>
-              <a:rPr lang="en-GB" dirty="0" smtClean="0"/>
+              <a:rPr lang="en-GB" strike="sngStrike" dirty="0" smtClean="0"/>
               <a:t>git commit --am "Commit message" - commits with a message and </a:t>
             </a:r>
             <a:r>
-              <a:rPr lang="en-US" dirty="0" smtClean="0"/>
+              <a:rPr lang="en-US" strike="sngStrike" dirty="0" smtClean="0"/>
               <a:t>automatically stage all tracked, modified files before the commit</a:t>
             </a:r>
           </a:p>
@@ -10764,6 +10772,13 @@
   <p:clrMapOvr>
     <a:masterClrMapping/>
   </p:clrMapOvr>
+  <p:timing>
+    <p:tnLst>
+      <p:par>
+        <p:cTn id="1" dur="indefinite" restart="never" nodeType="tmRoot"/>
+      </p:par>
+    </p:tnLst>
+  </p:timing>
 </p:sld>
 </file>
 
@@ -10908,6 +10923,13 @@
   <p:clrMapOvr>
     <a:masterClrMapping/>
   </p:clrMapOvr>
+  <p:timing>
+    <p:tnLst>
+      <p:par>
+        <p:cTn id="1" dur="indefinite" restart="never" nodeType="tmRoot"/>
+      </p:par>
+    </p:tnLst>
+  </p:timing>
 </p:sld>
 </file>
 
@@ -11012,6 +11034,13 @@
   <p:clrMapOvr>
     <a:masterClrMapping/>
   </p:clrMapOvr>
+  <p:timing>
+    <p:tnLst>
+      <p:par>
+        <p:cTn id="1" dur="indefinite" restart="never" nodeType="tmRoot"/>
+      </p:par>
+    </p:tnLst>
+  </p:timing>
 </p:sld>
 </file>
 

--- a/LYNDA.COM.GIT.ESSENTIAL.TRAINING-JWARE.pptx
+++ b/LYNDA.COM.GIT.ESSENTIAL.TRAINING-JWARE.pptx
@@ -301,7 +301,7 @@
             <a:fld id="{1D8BD707-D9CF-40AE-B4C6-C98DA3205C09}" type="datetimeFigureOut">
               <a:rPr lang="en-US" smtClean="0"/>
               <a:pPr/>
-              <a:t>5/18/2014</a:t>
+              <a:t>5/19/2014</a:t>
             </a:fld>
             <a:endParaRPr lang="en-US"/>
           </a:p>
@@ -1172,7 +1172,7 @@
             <a:fld id="{1D8BD707-D9CF-40AE-B4C6-C98DA3205C09}" type="datetimeFigureOut">
               <a:rPr lang="en-US" smtClean="0"/>
               <a:pPr/>
-              <a:t>5/18/2014</a:t>
+              <a:t>5/19/2014</a:t>
             </a:fld>
             <a:endParaRPr lang="en-US"/>
           </a:p>
@@ -1349,7 +1349,7 @@
             <a:fld id="{1D8BD707-D9CF-40AE-B4C6-C98DA3205C09}" type="datetimeFigureOut">
               <a:rPr lang="en-US" smtClean="0"/>
               <a:pPr/>
-              <a:t>5/18/2014</a:t>
+              <a:t>5/19/2014</a:t>
             </a:fld>
             <a:endParaRPr lang="en-US"/>
           </a:p>
@@ -1521,7 +1521,7 @@
             <a:fld id="{1D8BD707-D9CF-40AE-B4C6-C98DA3205C09}" type="datetimeFigureOut">
               <a:rPr lang="en-US" smtClean="0"/>
               <a:pPr/>
-              <a:t>5/18/2014</a:t>
+              <a:t>5/19/2014</a:t>
             </a:fld>
             <a:endParaRPr lang="en-US"/>
           </a:p>
@@ -1733,7 +1733,7 @@
             <a:fld id="{1D8BD707-D9CF-40AE-B4C6-C98DA3205C09}" type="datetimeFigureOut">
               <a:rPr lang="en-US" smtClean="0"/>
               <a:pPr/>
-              <a:t>5/18/2014</a:t>
+              <a:t>5/19/2014</a:t>
             </a:fld>
             <a:endParaRPr lang="en-US"/>
           </a:p>
@@ -2549,7 +2549,7 @@
             <a:fld id="{1D8BD707-D9CF-40AE-B4C6-C98DA3205C09}" type="datetimeFigureOut">
               <a:rPr lang="en-US" smtClean="0"/>
               <a:pPr/>
-              <a:t>5/18/2014</a:t>
+              <a:t>5/19/2014</a:t>
             </a:fld>
             <a:endParaRPr lang="en-US"/>
           </a:p>
@@ -2787,7 +2787,7 @@
             <a:fld id="{1D8BD707-D9CF-40AE-B4C6-C98DA3205C09}" type="datetimeFigureOut">
               <a:rPr lang="en-US" smtClean="0"/>
               <a:pPr/>
-              <a:t>5/18/2014</a:t>
+              <a:t>5/19/2014</a:t>
             </a:fld>
             <a:endParaRPr lang="en-US"/>
           </a:p>
@@ -3112,7 +3112,7 @@
             <a:fld id="{1D8BD707-D9CF-40AE-B4C6-C98DA3205C09}" type="datetimeFigureOut">
               <a:rPr lang="en-US" smtClean="0"/>
               <a:pPr/>
-              <a:t>5/18/2014</a:t>
+              <a:t>5/19/2014</a:t>
             </a:fld>
             <a:endParaRPr lang="en-US"/>
           </a:p>
@@ -3204,7 +3204,7 @@
             <a:fld id="{1D8BD707-D9CF-40AE-B4C6-C98DA3205C09}" type="datetimeFigureOut">
               <a:rPr lang="en-US" smtClean="0"/>
               <a:pPr/>
-              <a:t>5/18/2014</a:t>
+              <a:t>5/19/2014</a:t>
             </a:fld>
             <a:endParaRPr lang="en-US"/>
           </a:p>
@@ -3723,7 +3723,7 @@
             <a:fld id="{1D8BD707-D9CF-40AE-B4C6-C98DA3205C09}" type="datetimeFigureOut">
               <a:rPr lang="en-US" smtClean="0"/>
               <a:pPr/>
-              <a:t>5/18/2014</a:t>
+              <a:t>5/19/2014</a:t>
             </a:fld>
             <a:endParaRPr lang="en-US"/>
           </a:p>
@@ -4236,7 +4236,7 @@
             <a:fld id="{1D8BD707-D9CF-40AE-B4C6-C98DA3205C09}" type="datetimeFigureOut">
               <a:rPr lang="en-US" smtClean="0"/>
               <a:pPr/>
-              <a:t>5/18/2014</a:t>
+              <a:t>5/19/2014</a:t>
             </a:fld>
             <a:endParaRPr lang="en-US"/>
           </a:p>
@@ -4483,7 +4483,7 @@
             <a:fld id="{1D8BD707-D9CF-40AE-B4C6-C98DA3205C09}" type="datetimeFigureOut">
               <a:rPr lang="en-US" smtClean="0"/>
               <a:pPr/>
-              <a:t>5/18/2014</a:t>
+              <a:t>5/19/2014</a:t>
             </a:fld>
             <a:endParaRPr lang="en-US"/>
           </a:p>
@@ -6887,6 +6887,13 @@
   <p:clrMapOvr>
     <a:masterClrMapping/>
   </p:clrMapOvr>
+  <p:timing>
+    <p:tnLst>
+      <p:par>
+        <p:cTn id="1" dur="indefinite" restart="never" nodeType="tmRoot"/>
+      </p:par>
+    </p:tnLst>
+  </p:timing>
 </p:sld>
 </file>
 
@@ -7195,6 +7202,13 @@
   <p:clrMapOvr>
     <a:masterClrMapping/>
   </p:clrMapOvr>
+  <p:timing>
+    <p:tnLst>
+      <p:par>
+        <p:cTn id="1" dur="indefinite" restart="never" nodeType="tmRoot"/>
+      </p:par>
+    </p:tnLst>
+  </p:timing>
 </p:sld>
 </file>
 
@@ -10314,6 +10328,13 @@
   <p:clrMapOvr>
     <a:masterClrMapping/>
   </p:clrMapOvr>
+  <p:timing>
+    <p:tnLst>
+      <p:par>
+        <p:cTn id="1" dur="indefinite" restart="never" nodeType="tmRoot"/>
+      </p:par>
+    </p:tnLst>
+  </p:timing>
 </p:sld>
 </file>
 
@@ -10494,121 +10515,89 @@
             <a:pPr lvl="2"/>
             <a:r>
               <a:rPr lang="en-GB" strike="sngStrike" dirty="0" smtClean="0"/>
-              <a:t>Git add </a:t>
-            </a:r>
+              <a:t>Git add --u: add to staging area files already in repo</a:t>
+            </a:r>
+          </a:p>
+          <a:p>
+            <a:pPr lvl="2"/>
             <a:r>
               <a:rPr lang="en-GB" strike="sngStrike" dirty="0" smtClean="0"/>
-              <a:t>--u: </a:t>
-            </a:r>
+              <a:t>Git add --A: add all files, including new</a:t>
+            </a:r>
+          </a:p>
+          <a:p>
+            <a:r>
+              <a:rPr lang="en-GB" dirty="0" smtClean="0"/>
+              <a:t>Three trees</a:t>
+            </a:r>
+          </a:p>
+          <a:p>
+            <a:pPr lvl="2"/>
+            <a:r>
+              <a:rPr lang="en-GB" dirty="0" smtClean="0"/>
+              <a:t>working copy</a:t>
+            </a:r>
+          </a:p>
+          <a:p>
+            <a:pPr lvl="2"/>
+            <a:r>
+              <a:rPr lang="en-GB" dirty="0" smtClean="0"/>
+              <a:t>staging index - git add moves file from working copy to staging index</a:t>
+            </a:r>
+          </a:p>
+          <a:p>
+            <a:pPr lvl="2"/>
+            <a:r>
+              <a:rPr lang="en-GB" dirty="0" smtClean="0"/>
+              <a:t>repository - git commit moves file from staging index to repository</a:t>
+            </a:r>
+          </a:p>
+          <a:p>
             <a:r>
               <a:rPr lang="en-GB" strike="sngStrike" dirty="0" smtClean="0"/>
-              <a:t>add to staging area </a:t>
-            </a:r>
+              <a:t>Check status of repo</a:t>
+            </a:r>
+          </a:p>
+          <a:p>
+            <a:pPr lvl="2"/>
             <a:r>
               <a:rPr lang="en-GB" strike="sngStrike" dirty="0" smtClean="0"/>
-              <a:t>files </a:t>
-            </a:r>
+              <a:t>git status - shows difference between working copy , staging index and repository</a:t>
+            </a:r>
+          </a:p>
+          <a:p>
             <a:r>
               <a:rPr lang="en-GB" strike="sngStrike" dirty="0" smtClean="0"/>
-              <a:t>already in repo</a:t>
+              <a:t>Check differences between working copy &amp; staging index and repository</a:t>
             </a:r>
           </a:p>
           <a:p>
             <a:pPr lvl="2"/>
             <a:r>
               <a:rPr lang="en-GB" strike="sngStrike" dirty="0" smtClean="0"/>
-              <a:t>Git </a:t>
+              <a:t>git diff </a:t>
+            </a:r>
+            <a:r>
+              <a:rPr lang="en-GB" i="1" strike="sngStrike" dirty="0" smtClean="0"/>
+              <a:t>filename </a:t>
             </a:r>
             <a:r>
               <a:rPr lang="en-GB" strike="sngStrike" dirty="0" smtClean="0"/>
-              <a:t>add --A: </a:t>
+              <a:t>| git diff --</a:t>
+            </a:r>
+            <a:r>
+              <a:rPr lang="en-GB" strike="sngStrike" dirty="0" err="1" smtClean="0"/>
+              <a:t>color</a:t>
             </a:r>
             <a:r>
               <a:rPr lang="en-GB" strike="sngStrike" dirty="0" smtClean="0"/>
-              <a:t>add all files, including new</a:t>
-            </a:r>
-          </a:p>
-          <a:p>
-            <a:r>
-              <a:rPr lang="en-GB" dirty="0" smtClean="0"/>
-              <a:t>Three trees</a:t>
-            </a:r>
-          </a:p>
-          <a:p>
-            <a:pPr lvl="2"/>
-            <a:r>
-              <a:rPr lang="en-GB" dirty="0" smtClean="0"/>
-              <a:t>working copy</a:t>
-            </a:r>
-          </a:p>
-          <a:p>
-            <a:pPr lvl="2"/>
-            <a:r>
-              <a:rPr lang="en-GB" dirty="0" smtClean="0"/>
-              <a:t>staging index - git add moves file from working copy to staging index</a:t>
-            </a:r>
-          </a:p>
-          <a:p>
-            <a:pPr lvl="2"/>
-            <a:r>
-              <a:rPr lang="en-GB" dirty="0" smtClean="0"/>
-              <a:t>repository - git </a:t>
-            </a:r>
-            <a:r>
-              <a:rPr lang="en-GB" dirty="0" smtClean="0"/>
-              <a:t>commit </a:t>
-            </a:r>
-            <a:r>
-              <a:rPr lang="en-GB" dirty="0" smtClean="0"/>
-              <a:t>moves file from staging index to repository</a:t>
-            </a:r>
-          </a:p>
-          <a:p>
-            <a:r>
-              <a:rPr lang="en-GB" dirty="0" smtClean="0"/>
-              <a:t>Check status of repo</a:t>
-            </a:r>
-          </a:p>
-          <a:p>
-            <a:pPr lvl="2"/>
-            <a:r>
-              <a:rPr lang="en-GB" dirty="0" smtClean="0"/>
-              <a:t>git status - shows difference between working copy , staging index and repository</a:t>
-            </a:r>
-          </a:p>
-          <a:p>
-            <a:r>
-              <a:rPr lang="en-GB" dirty="0" smtClean="0"/>
-              <a:t>Check differences between working copy &amp; staging index and repository</a:t>
-            </a:r>
-          </a:p>
-          <a:p>
-            <a:pPr lvl="2"/>
-            <a:r>
-              <a:rPr lang="en-GB" dirty="0" smtClean="0"/>
-              <a:t>git diff </a:t>
-            </a:r>
-            <a:r>
-              <a:rPr lang="en-GB" i="1" dirty="0" smtClean="0"/>
-              <a:t>filename </a:t>
-            </a:r>
-            <a:r>
-              <a:rPr lang="en-GB" dirty="0" smtClean="0"/>
-              <a:t>| git diff --</a:t>
-            </a:r>
-            <a:r>
-              <a:rPr lang="en-GB" dirty="0" err="1" smtClean="0"/>
-              <a:t>color</a:t>
-            </a:r>
-            <a:r>
-              <a:rPr lang="en-GB" dirty="0" smtClean="0"/>
               <a:t>-words </a:t>
             </a:r>
             <a:r>
-              <a:rPr lang="en-GB" i="1" dirty="0" smtClean="0"/>
+              <a:rPr lang="en-GB" i="1" strike="sngStrike" dirty="0" smtClean="0"/>
               <a:t>filename</a:t>
             </a:r>
-            <a:endParaRPr lang="en-GB" dirty="0" smtClean="0"/>
+            <a:endParaRPr lang="en-GB" strike="sngStrike" dirty="0" smtClean="0"/>
           </a:p>
           <a:p>
             <a:endParaRPr lang="pl-PL" dirty="0"/>

--- a/LYNDA.COM.GIT.ESSENTIAL.TRAINING-JWARE.pptx
+++ b/LYNDA.COM.GIT.ESSENTIAL.TRAINING-JWARE.pptx
@@ -301,7 +301,7 @@
             <a:fld id="{1D8BD707-D9CF-40AE-B4C6-C98DA3205C09}" type="datetimeFigureOut">
               <a:rPr lang="en-US" smtClean="0"/>
               <a:pPr/>
-              <a:t>5/19/2014</a:t>
+              <a:t>5/24/2014</a:t>
             </a:fld>
             <a:endParaRPr lang="en-US"/>
           </a:p>
@@ -1172,7 +1172,7 @@
             <a:fld id="{1D8BD707-D9CF-40AE-B4C6-C98DA3205C09}" type="datetimeFigureOut">
               <a:rPr lang="en-US" smtClean="0"/>
               <a:pPr/>
-              <a:t>5/19/2014</a:t>
+              <a:t>5/24/2014</a:t>
             </a:fld>
             <a:endParaRPr lang="en-US"/>
           </a:p>
@@ -1349,7 +1349,7 @@
             <a:fld id="{1D8BD707-D9CF-40AE-B4C6-C98DA3205C09}" type="datetimeFigureOut">
               <a:rPr lang="en-US" smtClean="0"/>
               <a:pPr/>
-              <a:t>5/19/2014</a:t>
+              <a:t>5/24/2014</a:t>
             </a:fld>
             <a:endParaRPr lang="en-US"/>
           </a:p>
@@ -1521,7 +1521,7 @@
             <a:fld id="{1D8BD707-D9CF-40AE-B4C6-C98DA3205C09}" type="datetimeFigureOut">
               <a:rPr lang="en-US" smtClean="0"/>
               <a:pPr/>
-              <a:t>5/19/2014</a:t>
+              <a:t>5/24/2014</a:t>
             </a:fld>
             <a:endParaRPr lang="en-US"/>
           </a:p>
@@ -1733,7 +1733,7 @@
             <a:fld id="{1D8BD707-D9CF-40AE-B4C6-C98DA3205C09}" type="datetimeFigureOut">
               <a:rPr lang="en-US" smtClean="0"/>
               <a:pPr/>
-              <a:t>5/19/2014</a:t>
+              <a:t>5/24/2014</a:t>
             </a:fld>
             <a:endParaRPr lang="en-US"/>
           </a:p>
@@ -2549,7 +2549,7 @@
             <a:fld id="{1D8BD707-D9CF-40AE-B4C6-C98DA3205C09}" type="datetimeFigureOut">
               <a:rPr lang="en-US" smtClean="0"/>
               <a:pPr/>
-              <a:t>5/19/2014</a:t>
+              <a:t>5/24/2014</a:t>
             </a:fld>
             <a:endParaRPr lang="en-US"/>
           </a:p>
@@ -2787,7 +2787,7 @@
             <a:fld id="{1D8BD707-D9CF-40AE-B4C6-C98DA3205C09}" type="datetimeFigureOut">
               <a:rPr lang="en-US" smtClean="0"/>
               <a:pPr/>
-              <a:t>5/19/2014</a:t>
+              <a:t>5/24/2014</a:t>
             </a:fld>
             <a:endParaRPr lang="en-US"/>
           </a:p>
@@ -3112,7 +3112,7 @@
             <a:fld id="{1D8BD707-D9CF-40AE-B4C6-C98DA3205C09}" type="datetimeFigureOut">
               <a:rPr lang="en-US" smtClean="0"/>
               <a:pPr/>
-              <a:t>5/19/2014</a:t>
+              <a:t>5/24/2014</a:t>
             </a:fld>
             <a:endParaRPr lang="en-US"/>
           </a:p>
@@ -3204,7 +3204,7 @@
             <a:fld id="{1D8BD707-D9CF-40AE-B4C6-C98DA3205C09}" type="datetimeFigureOut">
               <a:rPr lang="en-US" smtClean="0"/>
               <a:pPr/>
-              <a:t>5/19/2014</a:t>
+              <a:t>5/24/2014</a:t>
             </a:fld>
             <a:endParaRPr lang="en-US"/>
           </a:p>
@@ -3723,7 +3723,7 @@
             <a:fld id="{1D8BD707-D9CF-40AE-B4C6-C98DA3205C09}" type="datetimeFigureOut">
               <a:rPr lang="en-US" smtClean="0"/>
               <a:pPr/>
-              <a:t>5/19/2014</a:t>
+              <a:t>5/24/2014</a:t>
             </a:fld>
             <a:endParaRPr lang="en-US"/>
           </a:p>
@@ -4236,7 +4236,7 @@
             <a:fld id="{1D8BD707-D9CF-40AE-B4C6-C98DA3205C09}" type="datetimeFigureOut">
               <a:rPr lang="en-US" smtClean="0"/>
               <a:pPr/>
-              <a:t>5/19/2014</a:t>
+              <a:t>5/24/2014</a:t>
             </a:fld>
             <a:endParaRPr lang="en-US"/>
           </a:p>
@@ -4483,7 +4483,7 @@
             <a:fld id="{1D8BD707-D9CF-40AE-B4C6-C98DA3205C09}" type="datetimeFigureOut">
               <a:rPr lang="en-US" smtClean="0"/>
               <a:pPr/>
-              <a:t>5/19/2014</a:t>
+              <a:t>5/24/2014</a:t>
             </a:fld>
             <a:endParaRPr lang="en-US"/>
           </a:p>
@@ -5383,6 +5383,13 @@
   <p:clrMapOvr>
     <a:masterClrMapping/>
   </p:clrMapOvr>
+  <p:timing>
+    <p:tnLst>
+      <p:par>
+        <p:cTn id="1" dur="indefinite" restart="never" nodeType="tmRoot"/>
+      </p:par>
+    </p:tnLst>
+  </p:timing>
 </p:sld>
 </file>
 
@@ -5680,6 +5687,13 @@
   <p:clrMapOvr>
     <a:masterClrMapping/>
   </p:clrMapOvr>
+  <p:timing>
+    <p:tnLst>
+      <p:par>
+        <p:cTn id="1" dur="indefinite" restart="never" nodeType="tmRoot"/>
+      </p:par>
+    </p:tnLst>
+  </p:timing>
 </p:sld>
 </file>
 
@@ -5769,6 +5783,13 @@
   <p:clrMapOvr>
     <a:masterClrMapping/>
   </p:clrMapOvr>
+  <p:timing>
+    <p:tnLst>
+      <p:par>
+        <p:cTn id="1" dur="indefinite" restart="never" nodeType="tmRoot"/>
+      </p:par>
+    </p:tnLst>
+  </p:timing>
 </p:sld>
 </file>
 
@@ -6446,6 +6467,13 @@
   <p:clrMapOvr>
     <a:masterClrMapping/>
   </p:clrMapOvr>
+  <p:timing>
+    <p:tnLst>
+      <p:par>
+        <p:cTn id="1" dur="indefinite" restart="never" nodeType="tmRoot"/>
+      </p:par>
+    </p:tnLst>
+  </p:timing>
 </p:sld>
 </file>
 
@@ -7179,17 +7207,17 @@
           </a:p>
           <a:p>
             <a:r>
-              <a:rPr lang="en-GB" dirty="0" smtClean="0"/>
+              <a:rPr lang="en-GB" strike="sngStrike" dirty="0" smtClean="0"/>
               <a:t>How to check if branch is included in current branch?</a:t>
             </a:r>
           </a:p>
           <a:p>
             <a:pPr lvl="1"/>
             <a:r>
-              <a:rPr lang="en-GB" dirty="0" smtClean="0"/>
+              <a:rPr lang="en-GB" strike="sngStrike" dirty="0" smtClean="0"/>
               <a:t>git branch --merged : lists branches that are included in current branch</a:t>
             </a:r>
-            <a:endParaRPr lang="pl-PL" dirty="0" smtClean="0"/>
+            <a:endParaRPr lang="pl-PL" strike="sngStrike" dirty="0" smtClean="0"/>
           </a:p>
           <a:p>
             <a:pPr lvl="1"/>

--- a/LYNDA.COM.GIT.ESSENTIAL.TRAINING-JWARE.pptx
+++ b/LYNDA.COM.GIT.ESSENTIAL.TRAINING-JWARE.pptx
@@ -7784,29 +7784,29 @@
           </a:p>
           <a:p>
             <a:r>
-              <a:rPr lang="en-GB" dirty="0" smtClean="0"/>
+              <a:rPr lang="en-GB" strike="sngStrike" dirty="0" smtClean="0"/>
               <a:t>Adding a remote repository</a:t>
             </a:r>
           </a:p>
           <a:p>
             <a:pPr lvl="1"/>
             <a:r>
-              <a:rPr lang="en-GB" dirty="0" smtClean="0"/>
+              <a:rPr lang="en-GB" strike="sngStrike" dirty="0" smtClean="0"/>
               <a:t>git remote </a:t>
             </a:r>
             <a:r>
-              <a:rPr lang="en-GB" i="1" dirty="0" err="1" smtClean="0"/>
+              <a:rPr lang="en-GB" i="1" strike="sngStrike" dirty="0" err="1" smtClean="0"/>
               <a:t>remotename</a:t>
             </a:r>
             <a:r>
-              <a:rPr lang="en-GB" dirty="0" smtClean="0"/>
+              <a:rPr lang="en-GB" strike="sngStrike" dirty="0" smtClean="0"/>
               <a:t> </a:t>
             </a:r>
             <a:r>
-              <a:rPr lang="en-GB" i="1" dirty="0" err="1" smtClean="0"/>
+              <a:rPr lang="en-GB" i="1" strike="sngStrike" dirty="0" err="1" smtClean="0"/>
               <a:t>url</a:t>
             </a:r>
-            <a:endParaRPr lang="en-GB" i="1" dirty="0" smtClean="0"/>
+            <a:endParaRPr lang="en-GB" i="1" strike="sngStrike" dirty="0" smtClean="0"/>
           </a:p>
           <a:p>
             <a:r>
@@ -7835,6 +7835,13 @@
   <p:clrMapOvr>
     <a:masterClrMapping/>
   </p:clrMapOvr>
+  <p:timing>
+    <p:tnLst>
+      <p:par>
+        <p:cTn id="1" dur="indefinite" restart="never" nodeType="tmRoot"/>
+      </p:par>
+    </p:tnLst>
+  </p:timing>
 </p:sld>
 </file>
 
@@ -7999,6 +8006,13 @@
   <p:clrMapOvr>
     <a:masterClrMapping/>
   </p:clrMapOvr>
+  <p:timing>
+    <p:tnLst>
+      <p:par>
+        <p:cTn id="1" dur="indefinite" restart="never" nodeType="tmRoot"/>
+      </p:par>
+    </p:tnLst>
+  </p:timing>
 </p:sld>
 </file>
 

--- a/LYNDA.COM.GIT.ESSENTIAL.TRAINING-JWARE.pptx
+++ b/LYNDA.COM.GIT.ESSENTIAL.TRAINING-JWARE.pptx
@@ -301,7 +301,7 @@
             <a:fld id="{1D8BD707-D9CF-40AE-B4C6-C98DA3205C09}" type="datetimeFigureOut">
               <a:rPr lang="en-US" smtClean="0"/>
               <a:pPr/>
-              <a:t>5/24/2014</a:t>
+              <a:t>5/25/2014</a:t>
             </a:fld>
             <a:endParaRPr lang="en-US"/>
           </a:p>
@@ -1172,7 +1172,7 @@
             <a:fld id="{1D8BD707-D9CF-40AE-B4C6-C98DA3205C09}" type="datetimeFigureOut">
               <a:rPr lang="en-US" smtClean="0"/>
               <a:pPr/>
-              <a:t>5/24/2014</a:t>
+              <a:t>5/25/2014</a:t>
             </a:fld>
             <a:endParaRPr lang="en-US"/>
           </a:p>
@@ -1349,7 +1349,7 @@
             <a:fld id="{1D8BD707-D9CF-40AE-B4C6-C98DA3205C09}" type="datetimeFigureOut">
               <a:rPr lang="en-US" smtClean="0"/>
               <a:pPr/>
-              <a:t>5/24/2014</a:t>
+              <a:t>5/25/2014</a:t>
             </a:fld>
             <a:endParaRPr lang="en-US"/>
           </a:p>
@@ -1521,7 +1521,7 @@
             <a:fld id="{1D8BD707-D9CF-40AE-B4C6-C98DA3205C09}" type="datetimeFigureOut">
               <a:rPr lang="en-US" smtClean="0"/>
               <a:pPr/>
-              <a:t>5/24/2014</a:t>
+              <a:t>5/25/2014</a:t>
             </a:fld>
             <a:endParaRPr lang="en-US"/>
           </a:p>
@@ -1733,7 +1733,7 @@
             <a:fld id="{1D8BD707-D9CF-40AE-B4C6-C98DA3205C09}" type="datetimeFigureOut">
               <a:rPr lang="en-US" smtClean="0"/>
               <a:pPr/>
-              <a:t>5/24/2014</a:t>
+              <a:t>5/25/2014</a:t>
             </a:fld>
             <a:endParaRPr lang="en-US"/>
           </a:p>
@@ -2549,7 +2549,7 @@
             <a:fld id="{1D8BD707-D9CF-40AE-B4C6-C98DA3205C09}" type="datetimeFigureOut">
               <a:rPr lang="en-US" smtClean="0"/>
               <a:pPr/>
-              <a:t>5/24/2014</a:t>
+              <a:t>5/25/2014</a:t>
             </a:fld>
             <a:endParaRPr lang="en-US"/>
           </a:p>
@@ -2787,7 +2787,7 @@
             <a:fld id="{1D8BD707-D9CF-40AE-B4C6-C98DA3205C09}" type="datetimeFigureOut">
               <a:rPr lang="en-US" smtClean="0"/>
               <a:pPr/>
-              <a:t>5/24/2014</a:t>
+              <a:t>5/25/2014</a:t>
             </a:fld>
             <a:endParaRPr lang="en-US"/>
           </a:p>
@@ -3112,7 +3112,7 @@
             <a:fld id="{1D8BD707-D9CF-40AE-B4C6-C98DA3205C09}" type="datetimeFigureOut">
               <a:rPr lang="en-US" smtClean="0"/>
               <a:pPr/>
-              <a:t>5/24/2014</a:t>
+              <a:t>5/25/2014</a:t>
             </a:fld>
             <a:endParaRPr lang="en-US"/>
           </a:p>
@@ -3204,7 +3204,7 @@
             <a:fld id="{1D8BD707-D9CF-40AE-B4C6-C98DA3205C09}" type="datetimeFigureOut">
               <a:rPr lang="en-US" smtClean="0"/>
               <a:pPr/>
-              <a:t>5/24/2014</a:t>
+              <a:t>5/25/2014</a:t>
             </a:fld>
             <a:endParaRPr lang="en-US"/>
           </a:p>
@@ -3723,7 +3723,7 @@
             <a:fld id="{1D8BD707-D9CF-40AE-B4C6-C98DA3205C09}" type="datetimeFigureOut">
               <a:rPr lang="en-US" smtClean="0"/>
               <a:pPr/>
-              <a:t>5/24/2014</a:t>
+              <a:t>5/25/2014</a:t>
             </a:fld>
             <a:endParaRPr lang="en-US"/>
           </a:p>
@@ -4236,7 +4236,7 @@
             <a:fld id="{1D8BD707-D9CF-40AE-B4C6-C98DA3205C09}" type="datetimeFigureOut">
               <a:rPr lang="en-US" smtClean="0"/>
               <a:pPr/>
-              <a:t>5/24/2014</a:t>
+              <a:t>5/25/2014</a:t>
             </a:fld>
             <a:endParaRPr lang="en-US"/>
           </a:p>
@@ -4483,7 +4483,7 @@
             <a:fld id="{1D8BD707-D9CF-40AE-B4C6-C98DA3205C09}" type="datetimeFigureOut">
               <a:rPr lang="en-US" smtClean="0"/>
               <a:pPr/>
-              <a:t>5/24/2014</a:t>
+              <a:t>5/25/2014</a:t>
             </a:fld>
             <a:endParaRPr lang="en-US"/>
           </a:p>
@@ -9936,6 +9936,13 @@
   <p:clrMapOvr>
     <a:masterClrMapping/>
   </p:clrMapOvr>
+  <p:timing>
+    <p:tnLst>
+      <p:par>
+        <p:cTn id="1" dur="indefinite" restart="never" nodeType="tmRoot"/>
+      </p:par>
+    </p:tnLst>
+  </p:timing>
 </p:sld>
 </file>
 
@@ -10162,11 +10169,11 @@
           </a:p>
           <a:p>
             <a:r>
-              <a:rPr lang="en-GB" dirty="0" err="1" smtClean="0"/>
+              <a:rPr lang="en-GB" strike="sngStrike" dirty="0" err="1" smtClean="0"/>
               <a:t>Configurate</a:t>
             </a:r>
             <a:r>
-              <a:rPr lang="en-GB" dirty="0" smtClean="0"/>
+              <a:rPr lang="en-GB" strike="sngStrike" dirty="0" smtClean="0"/>
               <a:t> the editor</a:t>
             </a:r>
           </a:p>
@@ -10267,6 +10274,13 @@
   <p:clrMapOvr>
     <a:masterClrMapping/>
   </p:clrMapOvr>
+  <p:timing>
+    <p:tnLst>
+      <p:par>
+        <p:cTn id="1" dur="indefinite" restart="never" nodeType="tmRoot"/>
+      </p:par>
+    </p:tnLst>
+  </p:timing>
 </p:sld>
 </file>
 
